--- a/HelpyChat.pptx
+++ b/HelpyChat.pptx
@@ -2515,13 +2515,13 @@
   <p:clrMapOvr>
     <a:masterClrMapping/>
   </p:clrMapOvr>
-  <mc:AlternateContent xmlns:mc="http://schemas.openxmlformats.org/markup-compatibility/2006" xmlns:p159="http://schemas.microsoft.com/office/powerpoint/2015/09/main">
-    <mc:Choice Requires="p159">
+  <mc:AlternateContent xmlns:mc="http://schemas.openxmlformats.org/markup-compatibility/2006">
+    <mc:Choice xmlns:p159="http://schemas.microsoft.com/office/powerpoint/2015/09/main" Requires="p159">
       <p:transition xmlns:p14="http://schemas.microsoft.com/office/powerpoint/2010/main" spd="slow" p14:dur="2000">
-        <p159:morph option="byChar"/>
+        <p159:morph option="byObject"/>
       </p:transition>
     </mc:Choice>
-    <mc:Fallback xmlns="">
+    <mc:Fallback>
       <p:transition spd="slow">
         <p:fade/>
       </p:transition>
@@ -2870,13 +2870,13 @@
   <p:clrMapOvr>
     <a:masterClrMapping/>
   </p:clrMapOvr>
-  <mc:AlternateContent xmlns:mc="http://schemas.openxmlformats.org/markup-compatibility/2006" xmlns:p159="http://schemas.microsoft.com/office/powerpoint/2015/09/main">
-    <mc:Choice Requires="p159">
+  <mc:AlternateContent xmlns:mc="http://schemas.openxmlformats.org/markup-compatibility/2006">
+    <mc:Choice xmlns:p159="http://schemas.microsoft.com/office/powerpoint/2015/09/main" Requires="p159">
       <p:transition xmlns:p14="http://schemas.microsoft.com/office/powerpoint/2010/main" spd="slow" p14:dur="2000">
-        <p159:morph option="byChar"/>
+        <p159:morph option="byObject"/>
       </p:transition>
     </mc:Choice>
-    <mc:Fallback xmlns="">
+    <mc:Fallback>
       <p:transition spd="slow">
         <p:fade/>
       </p:transition>
@@ -3225,13 +3225,13 @@
   <p:clrMapOvr>
     <a:masterClrMapping/>
   </p:clrMapOvr>
-  <mc:AlternateContent xmlns:mc="http://schemas.openxmlformats.org/markup-compatibility/2006" xmlns:p159="http://schemas.microsoft.com/office/powerpoint/2015/09/main">
-    <mc:Choice Requires="p159">
+  <mc:AlternateContent xmlns:mc="http://schemas.openxmlformats.org/markup-compatibility/2006">
+    <mc:Choice xmlns:p159="http://schemas.microsoft.com/office/powerpoint/2015/09/main" Requires="p159">
       <p:transition xmlns:p14="http://schemas.microsoft.com/office/powerpoint/2010/main" spd="slow" p14:dur="2000">
-        <p159:morph option="byChar"/>
+        <p159:morph option="byObject"/>
       </p:transition>
     </mc:Choice>
-    <mc:Fallback xmlns="">
+    <mc:Fallback>
       <p:transition spd="slow">
         <p:fade/>
       </p:transition>
@@ -3268,13 +3268,13 @@
   <p:clrMapOvr>
     <a:masterClrMapping/>
   </p:clrMapOvr>
-  <mc:AlternateContent xmlns:mc="http://schemas.openxmlformats.org/markup-compatibility/2006" xmlns:p159="http://schemas.microsoft.com/office/powerpoint/2015/09/main">
-    <mc:Choice Requires="p159">
+  <mc:AlternateContent xmlns:mc="http://schemas.openxmlformats.org/markup-compatibility/2006">
+    <mc:Choice xmlns:p159="http://schemas.microsoft.com/office/powerpoint/2015/09/main" Requires="p159">
       <p:transition xmlns:p14="http://schemas.microsoft.com/office/powerpoint/2010/main" spd="slow" p14:dur="2000">
-        <p159:morph option="byChar"/>
+        <p159:morph option="byObject"/>
       </p:transition>
     </mc:Choice>
-    <mc:Fallback xmlns="">
+    <mc:Fallback>
       <p:transition spd="slow">
         <p:fade/>
       </p:transition>
@@ -4725,13 +4725,13 @@
   <p:clrMapOvr>
     <a:masterClrMapping/>
   </p:clrMapOvr>
-  <mc:AlternateContent xmlns:mc="http://schemas.openxmlformats.org/markup-compatibility/2006" xmlns:p159="http://schemas.microsoft.com/office/powerpoint/2015/09/main">
-    <mc:Choice Requires="p159">
+  <mc:AlternateContent xmlns:mc="http://schemas.openxmlformats.org/markup-compatibility/2006">
+    <mc:Choice xmlns:p159="http://schemas.microsoft.com/office/powerpoint/2015/09/main" Requires="p159">
       <p:transition xmlns:p14="http://schemas.microsoft.com/office/powerpoint/2010/main" spd="slow" p14:dur="2000">
-        <p159:morph option="byChar"/>
+        <p159:morph option="byObject"/>
       </p:transition>
     </mc:Choice>
-    <mc:Fallback xmlns="">
+    <mc:Fallback>
       <p:transition spd="slow">
         <p:fade/>
       </p:transition>
@@ -5080,13 +5080,13 @@
   <p:clrMapOvr>
     <a:masterClrMapping/>
   </p:clrMapOvr>
-  <mc:AlternateContent xmlns:mc="http://schemas.openxmlformats.org/markup-compatibility/2006" xmlns:p159="http://schemas.microsoft.com/office/powerpoint/2015/09/main">
-    <mc:Choice Requires="p159">
+  <mc:AlternateContent xmlns:mc="http://schemas.openxmlformats.org/markup-compatibility/2006">
+    <mc:Choice xmlns:p159="http://schemas.microsoft.com/office/powerpoint/2015/09/main" Requires="p159">
       <p:transition xmlns:p14="http://schemas.microsoft.com/office/powerpoint/2010/main" spd="slow" p14:dur="2000">
-        <p159:morph option="byChar"/>
+        <p159:morph option="byObject"/>
       </p:transition>
     </mc:Choice>
-    <mc:Fallback xmlns="">
+    <mc:Fallback>
       <p:transition spd="slow">
         <p:fade/>
       </p:transition>
@@ -5117,13 +5117,13 @@
   <p:clrMapOvr>
     <a:masterClrMapping/>
   </p:clrMapOvr>
-  <mc:AlternateContent xmlns:mc="http://schemas.openxmlformats.org/markup-compatibility/2006" xmlns:p159="http://schemas.microsoft.com/office/powerpoint/2015/09/main">
-    <mc:Choice Requires="p159">
+  <mc:AlternateContent xmlns:mc="http://schemas.openxmlformats.org/markup-compatibility/2006">
+    <mc:Choice xmlns:p159="http://schemas.microsoft.com/office/powerpoint/2015/09/main" Requires="p159">
       <p:transition xmlns:p14="http://schemas.microsoft.com/office/powerpoint/2010/main" spd="slow" p14:dur="2000">
-        <p159:morph option="byChar"/>
+        <p159:morph option="byObject"/>
       </p:transition>
     </mc:Choice>
-    <mc:Fallback xmlns="">
+    <mc:Fallback>
       <p:transition spd="slow">
         <p:fade/>
       </p:transition>
@@ -5182,13 +5182,13 @@
   <p:clrMapOvr>
     <a:masterClrMapping/>
   </p:clrMapOvr>
-  <mc:AlternateContent xmlns:mc="http://schemas.openxmlformats.org/markup-compatibility/2006" xmlns:p159="http://schemas.microsoft.com/office/powerpoint/2015/09/main">
-    <mc:Choice Requires="p159">
+  <mc:AlternateContent xmlns:mc="http://schemas.openxmlformats.org/markup-compatibility/2006">
+    <mc:Choice xmlns:p159="http://schemas.microsoft.com/office/powerpoint/2015/09/main" Requires="p159">
       <p:transition xmlns:p14="http://schemas.microsoft.com/office/powerpoint/2010/main" spd="slow" p14:dur="2000">
-        <p159:morph option="byChar"/>
+        <p159:morph option="byObject"/>
       </p:transition>
     </mc:Choice>
-    <mc:Fallback xmlns="">
+    <mc:Fallback>
       <p:transition spd="slow">
         <p:fade/>
       </p:transition>
@@ -5247,13 +5247,13 @@
   <p:clrMapOvr>
     <a:masterClrMapping/>
   </p:clrMapOvr>
-  <mc:AlternateContent xmlns:mc="http://schemas.openxmlformats.org/markup-compatibility/2006" xmlns:p159="http://schemas.microsoft.com/office/powerpoint/2015/09/main">
-    <mc:Choice Requires="p159">
+  <mc:AlternateContent xmlns:mc="http://schemas.openxmlformats.org/markup-compatibility/2006">
+    <mc:Choice xmlns:p159="http://schemas.microsoft.com/office/powerpoint/2015/09/main" Requires="p159">
       <p:transition xmlns:p14="http://schemas.microsoft.com/office/powerpoint/2010/main" spd="slow" p14:dur="2000">
-        <p159:morph option="byChar"/>
+        <p159:morph option="byObject"/>
       </p:transition>
     </mc:Choice>
-    <mc:Fallback xmlns="">
+    <mc:Fallback>
       <p:transition spd="slow">
         <p:fade/>
       </p:transition>
@@ -5810,13 +5810,13 @@
     <p:sldLayoutId id="2147483676" r:id="rId8"/>
     <p:sldLayoutId id="2147483677" r:id="rId9"/>
   </p:sldLayoutIdLst>
-  <mc:AlternateContent xmlns:mc="http://schemas.openxmlformats.org/markup-compatibility/2006" xmlns:p159="http://schemas.microsoft.com/office/powerpoint/2015/09/main">
-    <mc:Choice Requires="p159">
+  <mc:AlternateContent xmlns:mc="http://schemas.openxmlformats.org/markup-compatibility/2006">
+    <mc:Choice xmlns:p159="http://schemas.microsoft.com/office/powerpoint/2015/09/main" Requires="p159">
       <p:transition xmlns:p14="http://schemas.microsoft.com/office/powerpoint/2010/main" spd="slow" p14:dur="2000">
-        <p159:morph option="byChar"/>
+        <p159:morph option="byObject"/>
       </p:transition>
     </mc:Choice>
-    <mc:Fallback xmlns="">
+    <mc:Fallback>
       <p:transition spd="slow">
         <p:fade/>
       </p:transition>
@@ -7044,13 +7044,13 @@
   <p:clrMapOvr>
     <a:masterClrMapping/>
   </p:clrMapOvr>
-  <mc:AlternateContent xmlns:mc="http://schemas.openxmlformats.org/markup-compatibility/2006" xmlns:p159="http://schemas.microsoft.com/office/powerpoint/2015/09/main">
-    <mc:Choice Requires="p159">
+  <mc:AlternateContent xmlns:mc="http://schemas.openxmlformats.org/markup-compatibility/2006">
+    <mc:Choice xmlns:p159="http://schemas.microsoft.com/office/powerpoint/2015/09/main" Requires="p159">
       <p:transition xmlns:p14="http://schemas.microsoft.com/office/powerpoint/2010/main" spd="slow" p14:dur="2000">
-        <p159:morph option="byChar"/>
+        <p159:morph option="byObject"/>
       </p:transition>
     </mc:Choice>
-    <mc:Fallback xmlns="">
+    <mc:Fallback>
       <p:transition spd="slow">
         <p:fade/>
       </p:transition>
@@ -7088,8 +7088,8 @@
         </p:nvSpPr>
         <p:spPr>
           <a:xfrm>
-            <a:off x="640079" y="1497149"/>
-            <a:ext cx="7667897" cy="3173532"/>
+            <a:off x="627379" y="1763849"/>
+            <a:ext cx="7667897" cy="2293801"/>
           </a:xfrm>
           <a:prstGeom prst="rect">
             <a:avLst/>
@@ -7145,30 +7145,6 @@
                 <a:effectLst/>
                 <a:latin typeface="Oxygen" panose="02000503000000000000" pitchFamily="2" charset="0"/>
               </a:rPr>
-              <a:t> E-commerce</a:t>
-            </a:r>
-          </a:p>
-          <a:p>
-            <a:pPr marL="285750" lvl="0" indent="-285750" algn="just" rtl="0">
-              <a:spcBef>
-                <a:spcPts val="0"/>
-              </a:spcBef>
-              <a:spcAft>
-                <a:spcPts val="1600"/>
-              </a:spcAft>
-              <a:buFont typeface="Arial" panose="020B0604020202020204" pitchFamily="34" charset="0"/>
-              <a:buChar char="•"/>
-            </a:pPr>
-            <a:r>
-              <a:rPr lang="en-US" b="0" i="0" dirty="0">
-                <a:solidFill>
-                  <a:schemeClr val="bg1">
-                    <a:lumMod val="50000"/>
-                  </a:schemeClr>
-                </a:solidFill>
-                <a:effectLst/>
-                <a:latin typeface="Oxygen" panose="02000503000000000000" pitchFamily="2" charset="0"/>
-              </a:rPr>
               <a:t>Healthcare</a:t>
             </a:r>
           </a:p>
@@ -7219,38 +7195,6 @@
               </a:rPr>
               <a:t>Education</a:t>
             </a:r>
-          </a:p>
-          <a:p>
-            <a:pPr marL="285750" lvl="0" indent="-285750" algn="just" rtl="0">
-              <a:spcBef>
-                <a:spcPts val="0"/>
-              </a:spcBef>
-              <a:spcAft>
-                <a:spcPts val="1600"/>
-              </a:spcAft>
-              <a:buFont typeface="Arial" panose="020B0604020202020204" pitchFamily="34" charset="0"/>
-              <a:buChar char="•"/>
-            </a:pPr>
-            <a:r>
-              <a:rPr lang="en-US" b="0" i="0" dirty="0">
-                <a:solidFill>
-                  <a:schemeClr val="bg1">
-                    <a:lumMod val="50000"/>
-                  </a:schemeClr>
-                </a:solidFill>
-                <a:effectLst/>
-                <a:latin typeface="Oxygen" panose="02000503000000000000" pitchFamily="2" charset="0"/>
-              </a:rPr>
-              <a:t>Human resources</a:t>
-            </a:r>
-            <a:endParaRPr lang="en-US" dirty="0">
-              <a:solidFill>
-                <a:schemeClr val="bg1">
-                  <a:lumMod val="50000"/>
-                </a:schemeClr>
-              </a:solidFill>
-              <a:latin typeface="Oxygen" panose="02000503000000000000" pitchFamily="2" charset="0"/>
-            </a:endParaRPr>
           </a:p>
         </p:txBody>
       </p:sp>
@@ -7550,13 +7494,13 @@
   <p:clrMapOvr>
     <a:masterClrMapping/>
   </p:clrMapOvr>
-  <mc:AlternateContent xmlns:mc="http://schemas.openxmlformats.org/markup-compatibility/2006" xmlns:p159="http://schemas.microsoft.com/office/powerpoint/2015/09/main">
-    <mc:Choice Requires="p159">
+  <mc:AlternateContent xmlns:mc="http://schemas.openxmlformats.org/markup-compatibility/2006">
+    <mc:Choice xmlns:p159="http://schemas.microsoft.com/office/powerpoint/2015/09/main" Requires="p159">
       <p:transition xmlns:p14="http://schemas.microsoft.com/office/powerpoint/2010/main" spd="slow" p14:dur="2000">
-        <p159:morph option="byChar"/>
+        <p159:morph option="byObject"/>
       </p:transition>
     </mc:Choice>
-    <mc:Fallback xmlns="">
+    <mc:Fallback>
       <p:transition spd="slow">
         <p:fade/>
       </p:transition>
@@ -7598,8 +7542,8 @@
         </p:nvSpPr>
         <p:spPr>
           <a:xfrm>
-            <a:off x="348833" y="1928239"/>
-            <a:ext cx="7920626" cy="3235581"/>
+            <a:off x="348832" y="1972689"/>
+            <a:ext cx="7920626" cy="1316611"/>
           </a:xfrm>
           <a:prstGeom prst="rect">
             <a:avLst/>
@@ -8260,13 +8204,13 @@
   <p:clrMapOvr>
     <a:masterClrMapping/>
   </p:clrMapOvr>
-  <mc:AlternateContent xmlns:mc="http://schemas.openxmlformats.org/markup-compatibility/2006" xmlns:p159="http://schemas.microsoft.com/office/powerpoint/2015/09/main">
-    <mc:Choice Requires="p159">
+  <mc:AlternateContent xmlns:mc="http://schemas.openxmlformats.org/markup-compatibility/2006">
+    <mc:Choice xmlns:p159="http://schemas.microsoft.com/office/powerpoint/2015/09/main" Requires="p159">
       <p:transition xmlns:p14="http://schemas.microsoft.com/office/powerpoint/2010/main" spd="slow" p14:dur="2000">
-        <p159:morph option="byChar"/>
+        <p159:morph option="byObject"/>
       </p:transition>
     </mc:Choice>
-    <mc:Fallback xmlns="">
+    <mc:Fallback>
       <p:transition spd="slow">
         <p:fade/>
       </p:transition>
@@ -8887,13 +8831,13 @@
   <p:clrMapOvr>
     <a:masterClrMapping/>
   </p:clrMapOvr>
-  <mc:AlternateContent xmlns:mc="http://schemas.openxmlformats.org/markup-compatibility/2006" xmlns:p159="http://schemas.microsoft.com/office/powerpoint/2015/09/main">
-    <mc:Choice Requires="p159">
+  <mc:AlternateContent xmlns:mc="http://schemas.openxmlformats.org/markup-compatibility/2006">
+    <mc:Choice xmlns:p159="http://schemas.microsoft.com/office/powerpoint/2015/09/main" Requires="p159">
       <p:transition xmlns:p14="http://schemas.microsoft.com/office/powerpoint/2010/main" spd="slow" p14:dur="2000">
-        <p159:morph option="byChar"/>
+        <p159:morph option="byObject"/>
       </p:transition>
     </mc:Choice>
-    <mc:Fallback xmlns="">
+    <mc:Fallback>
       <p:transition spd="slow">
         <p:fade/>
       </p:transition>
@@ -9215,13 +9159,13 @@
   <p:clrMapOvr>
     <a:masterClrMapping/>
   </p:clrMapOvr>
-  <mc:AlternateContent xmlns:mc="http://schemas.openxmlformats.org/markup-compatibility/2006" xmlns:p159="http://schemas.microsoft.com/office/powerpoint/2015/09/main">
-    <mc:Choice Requires="p159">
+  <mc:AlternateContent xmlns:mc="http://schemas.openxmlformats.org/markup-compatibility/2006">
+    <mc:Choice xmlns:p159="http://schemas.microsoft.com/office/powerpoint/2015/09/main" Requires="p159">
       <p:transition xmlns:p14="http://schemas.microsoft.com/office/powerpoint/2010/main" spd="slow" p14:dur="2000">
-        <p159:morph option="byChar"/>
+        <p159:morph option="byObject"/>
       </p:transition>
     </mc:Choice>
-    <mc:Fallback xmlns="">
+    <mc:Fallback>
       <p:transition spd="slow">
         <p:fade/>
       </p:transition>
@@ -9994,13 +9938,13 @@
   <p:clrMapOvr>
     <a:masterClrMapping/>
   </p:clrMapOvr>
-  <mc:AlternateContent xmlns:mc="http://schemas.openxmlformats.org/markup-compatibility/2006" xmlns:p159="http://schemas.microsoft.com/office/powerpoint/2015/09/main">
-    <mc:Choice Requires="p159">
+  <mc:AlternateContent xmlns:mc="http://schemas.openxmlformats.org/markup-compatibility/2006">
+    <mc:Choice xmlns:p159="http://schemas.microsoft.com/office/powerpoint/2015/09/main" Requires="p159">
       <p:transition xmlns:p14="http://schemas.microsoft.com/office/powerpoint/2010/main" spd="slow" p14:dur="2000">
-        <p159:morph option="byChar"/>
+        <p159:morph option="byObject"/>
       </p:transition>
     </mc:Choice>
-    <mc:Fallback xmlns="">
+    <mc:Fallback>
       <p:transition spd="slow">
         <p:fade/>
       </p:transition>
@@ -10070,7 +10014,7 @@
                 <a:effectLst/>
                 <a:latin typeface="Oxygen" panose="02000503000000000000" pitchFamily="2" charset="0"/>
               </a:rPr>
-              <a:t>HelpyChat is an AI chatbot that provides fast and accurate support to users seeking information. Its advanced AI technology quickly understands user input and responds in real-time. HelpyChat's suggestion feature predicts users' questions as they type, reducing errors and ensuring accurate information. This unique feature makes HelpyChat an essential tool for modern customer service. Users can get quick assistance without waiting for a human representative.</a:t>
+              <a:t>HelpyChat is an AI chatbot that provides fast and accurate support to users seeking information. Its advanced AI technology quickly understands user input and responds in real-time. HelpyChat's suggestion feature suggests users' questions as they type, reducing errors and ensuring accurate information. This unique feature makes HelpyChat an essential tool for modern customer service. Users can get quick assistance without waiting for a human representative.</a:t>
             </a:r>
             <a:endParaRPr lang="en-US" dirty="0">
               <a:solidFill>
@@ -10374,13 +10318,13 @@
   <p:clrMapOvr>
     <a:masterClrMapping/>
   </p:clrMapOvr>
-  <mc:AlternateContent xmlns:mc="http://schemas.openxmlformats.org/markup-compatibility/2006" xmlns:p159="http://schemas.microsoft.com/office/powerpoint/2015/09/main">
-    <mc:Choice Requires="p159">
+  <mc:AlternateContent xmlns:mc="http://schemas.openxmlformats.org/markup-compatibility/2006">
+    <mc:Choice xmlns:p159="http://schemas.microsoft.com/office/powerpoint/2015/09/main" Requires="p159">
       <p:transition xmlns:p14="http://schemas.microsoft.com/office/powerpoint/2010/main" spd="slow" p14:dur="2000">
-        <p159:morph option="byChar"/>
+        <p159:morph option="byObject"/>
       </p:transition>
     </mc:Choice>
-    <mc:Fallback xmlns="">
+    <mc:Fallback>
       <p:transition spd="slow">
         <p:fade/>
       </p:transition>
@@ -10721,7 +10665,7 @@
                 </a:solidFill>
                 <a:latin typeface="Oxygen" panose="02000503000000000000" pitchFamily="2" charset="0"/>
               </a:rPr>
-              <a:t>Suggestion feature that predicts users' next question as they type and saves it for future use.</a:t>
+              <a:t>Suggestion feature that suggests users next question as they type and saves it for future use.</a:t>
             </a:r>
           </a:p>
           <a:p>
@@ -11082,13 +11026,13 @@
   <p:clrMapOvr>
     <a:masterClrMapping/>
   </p:clrMapOvr>
-  <mc:AlternateContent xmlns:mc="http://schemas.openxmlformats.org/markup-compatibility/2006" xmlns:p159="http://schemas.microsoft.com/office/powerpoint/2015/09/main">
-    <mc:Choice Requires="p159">
+  <mc:AlternateContent xmlns:mc="http://schemas.openxmlformats.org/markup-compatibility/2006">
+    <mc:Choice xmlns:p159="http://schemas.microsoft.com/office/powerpoint/2015/09/main" Requires="p159">
       <p:transition xmlns:p14="http://schemas.microsoft.com/office/powerpoint/2010/main" spd="slow" p14:dur="2000">
-        <p159:morph option="byChar"/>
+        <p159:morph option="byObject"/>
       </p:transition>
     </mc:Choice>
-    <mc:Fallback xmlns="">
+    <mc:Fallback>
       <p:transition spd="slow">
         <p:fade/>
       </p:transition>
@@ -11420,7 +11364,7 @@
                 </a:solidFill>
                 <a:latin typeface="Oxygen" panose="02000503000000000000" pitchFamily="2" charset="0"/>
               </a:rPr>
-              <a:t>HelpyChat's ability to offer real-time responses and predict users' next questions means that users can get the information they need quickly and efficiently, without having to wait for a human representative to become available.</a:t>
+              <a:t>HelpyChat's ability to offer real-time responses and suggest users' next questions means that users can get the information they need quickly and efficiently, without having to wait for a human representative to become available.</a:t>
             </a:r>
           </a:p>
           <a:p>
@@ -11810,13 +11754,13 @@
   <p:clrMapOvr>
     <a:masterClrMapping/>
   </p:clrMapOvr>
-  <mc:AlternateContent xmlns:mc="http://schemas.openxmlformats.org/markup-compatibility/2006" xmlns:p159="http://schemas.microsoft.com/office/powerpoint/2015/09/main">
-    <mc:Choice Requires="p159">
+  <mc:AlternateContent xmlns:mc="http://schemas.openxmlformats.org/markup-compatibility/2006">
+    <mc:Choice xmlns:p159="http://schemas.microsoft.com/office/powerpoint/2015/09/main" Requires="p159">
       <p:transition xmlns:p14="http://schemas.microsoft.com/office/powerpoint/2010/main" spd="slow" p14:dur="2000">
-        <p159:morph option="byChar"/>
+        <p159:morph option="byObject"/>
       </p:transition>
     </mc:Choice>
-    <mc:Fallback xmlns="">
+    <mc:Fallback>
       <p:transition spd="slow">
         <p:fade/>
       </p:transition>
@@ -12558,13 +12502,13 @@
   <p:clrMapOvr>
     <a:masterClrMapping/>
   </p:clrMapOvr>
-  <mc:AlternateContent xmlns:mc="http://schemas.openxmlformats.org/markup-compatibility/2006" xmlns:p159="http://schemas.microsoft.com/office/powerpoint/2015/09/main">
-    <mc:Choice Requires="p159">
+  <mc:AlternateContent xmlns:mc="http://schemas.openxmlformats.org/markup-compatibility/2006">
+    <mc:Choice xmlns:p159="http://schemas.microsoft.com/office/powerpoint/2015/09/main" Requires="p159">
       <p:transition xmlns:p14="http://schemas.microsoft.com/office/powerpoint/2010/main" spd="slow" p14:dur="2000">
-        <p159:morph option="byChar"/>
+        <p159:morph option="byObject"/>
       </p:transition>
     </mc:Choice>
-    <mc:Fallback xmlns="">
+    <mc:Fallback>
       <p:transition spd="slow">
         <p:fade/>
       </p:transition>
@@ -13247,13 +13191,13 @@
   <p:clrMapOvr>
     <a:masterClrMapping/>
   </p:clrMapOvr>
-  <mc:AlternateContent xmlns:mc="http://schemas.openxmlformats.org/markup-compatibility/2006" xmlns:p159="http://schemas.microsoft.com/office/powerpoint/2015/09/main">
-    <mc:Choice Requires="p159">
+  <mc:AlternateContent xmlns:mc="http://schemas.openxmlformats.org/markup-compatibility/2006">
+    <mc:Choice xmlns:p159="http://schemas.microsoft.com/office/powerpoint/2015/09/main" Requires="p159">
       <p:transition xmlns:p14="http://schemas.microsoft.com/office/powerpoint/2010/main" spd="slow" p14:dur="2000">
-        <p159:morph option="byChar"/>
+        <p159:morph option="byObject"/>
       </p:transition>
     </mc:Choice>
-    <mc:Fallback xmlns="">
+    <mc:Fallback>
       <p:transition spd="slow">
         <p:fade/>
       </p:transition>
@@ -13319,13 +13263,13 @@
   <p:clrMapOvr>
     <a:masterClrMapping/>
   </p:clrMapOvr>
-  <mc:AlternateContent xmlns:mc="http://schemas.openxmlformats.org/markup-compatibility/2006" xmlns:p159="http://schemas.microsoft.com/office/powerpoint/2015/09/main">
-    <mc:Choice Requires="p159">
+  <mc:AlternateContent xmlns:mc="http://schemas.openxmlformats.org/markup-compatibility/2006">
+    <mc:Choice xmlns:p159="http://schemas.microsoft.com/office/powerpoint/2015/09/main" Requires="p159">
       <p:transition xmlns:p14="http://schemas.microsoft.com/office/powerpoint/2010/main" spd="slow" p14:dur="2000">
-        <p159:morph option="byChar"/>
+        <p159:morph option="byObject"/>
       </p:transition>
     </mc:Choice>
-    <mc:Fallback xmlns="">
+    <mc:Fallback>
       <p:transition spd="slow">
         <p:fade/>
       </p:transition>
@@ -13391,13 +13335,13 @@
   <p:clrMapOvr>
     <a:masterClrMapping/>
   </p:clrMapOvr>
-  <mc:AlternateContent xmlns:mc="http://schemas.openxmlformats.org/markup-compatibility/2006" xmlns:p159="http://schemas.microsoft.com/office/powerpoint/2015/09/main">
-    <mc:Choice Requires="p159">
+  <mc:AlternateContent xmlns:mc="http://schemas.openxmlformats.org/markup-compatibility/2006">
+    <mc:Choice xmlns:p159="http://schemas.microsoft.com/office/powerpoint/2015/09/main" Requires="p159">
       <p:transition xmlns:p14="http://schemas.microsoft.com/office/powerpoint/2010/main" spd="slow" p14:dur="2000">
-        <p159:morph option="byChar"/>
+        <p159:morph option="byObject"/>
       </p:transition>
     </mc:Choice>
-    <mc:Fallback xmlns="">
+    <mc:Fallback>
       <p:transition spd="slow">
         <p:fade/>
       </p:transition>
